--- a/개별플젝1-ACC/순서도.pptx
+++ b/개별플젝1-ACC/순서도.pptx
@@ -8,6 +8,7 @@
     <p:sldId id="256" r:id="rId2"/>
     <p:sldId id="257" r:id="rId3"/>
     <p:sldId id="258" r:id="rId4"/>
+    <p:sldId id="259" r:id="rId5"/>
   </p:sldIdLst>
   <p:sldSz cx="12192000" cy="6858000"/>
   <p:notesSz cx="6858000" cy="9144000"/>
@@ -106,6 +107,11 @@
       </a:defRPr>
     </a:lvl9pPr>
   </p:defaultTextStyle>
+  <p:extLst>
+    <p:ext uri="{EFAFB233-063F-42B5-8137-9DF3F51BA10A}">
+      <p15:sldGuideLst xmlns:p15="http://schemas.microsoft.com/office/powerpoint/2012/main"/>
+    </p:ext>
+  </p:extLst>
 </p:presentation>
 </file>
 
@@ -256,7 +262,7 @@
           <a:p>
             <a:fld id="{4A3CE669-5F8D-4070-B04A-C94B1882F289}" type="datetimeFigureOut">
               <a:rPr lang="ko-KR" altLang="en-US" smtClean="0"/>
-              <a:t>2024-02-04</a:t>
+              <a:t>2024-02-05</a:t>
             </a:fld>
             <a:endParaRPr lang="ko-KR" altLang="en-US"/>
           </a:p>
@@ -454,7 +460,7 @@
           <a:p>
             <a:fld id="{4A3CE669-5F8D-4070-B04A-C94B1882F289}" type="datetimeFigureOut">
               <a:rPr lang="ko-KR" altLang="en-US" smtClean="0"/>
-              <a:t>2024-02-04</a:t>
+              <a:t>2024-02-05</a:t>
             </a:fld>
             <a:endParaRPr lang="ko-KR" altLang="en-US"/>
           </a:p>
@@ -662,7 +668,7 @@
           <a:p>
             <a:fld id="{4A3CE669-5F8D-4070-B04A-C94B1882F289}" type="datetimeFigureOut">
               <a:rPr lang="ko-KR" altLang="en-US" smtClean="0"/>
-              <a:t>2024-02-04</a:t>
+              <a:t>2024-02-05</a:t>
             </a:fld>
             <a:endParaRPr lang="ko-KR" altLang="en-US"/>
           </a:p>
@@ -860,7 +866,7 @@
           <a:p>
             <a:fld id="{4A3CE669-5F8D-4070-B04A-C94B1882F289}" type="datetimeFigureOut">
               <a:rPr lang="ko-KR" altLang="en-US" smtClean="0"/>
-              <a:t>2024-02-04</a:t>
+              <a:t>2024-02-05</a:t>
             </a:fld>
             <a:endParaRPr lang="ko-KR" altLang="en-US"/>
           </a:p>
@@ -1135,7 +1141,7 @@
           <a:p>
             <a:fld id="{4A3CE669-5F8D-4070-B04A-C94B1882F289}" type="datetimeFigureOut">
               <a:rPr lang="ko-KR" altLang="en-US" smtClean="0"/>
-              <a:t>2024-02-04</a:t>
+              <a:t>2024-02-05</a:t>
             </a:fld>
             <a:endParaRPr lang="ko-KR" altLang="en-US"/>
           </a:p>
@@ -1400,7 +1406,7 @@
           <a:p>
             <a:fld id="{4A3CE669-5F8D-4070-B04A-C94B1882F289}" type="datetimeFigureOut">
               <a:rPr lang="ko-KR" altLang="en-US" smtClean="0"/>
-              <a:t>2024-02-04</a:t>
+              <a:t>2024-02-05</a:t>
             </a:fld>
             <a:endParaRPr lang="ko-KR" altLang="en-US"/>
           </a:p>
@@ -1812,7 +1818,7 @@
           <a:p>
             <a:fld id="{4A3CE669-5F8D-4070-B04A-C94B1882F289}" type="datetimeFigureOut">
               <a:rPr lang="ko-KR" altLang="en-US" smtClean="0"/>
-              <a:t>2024-02-04</a:t>
+              <a:t>2024-02-05</a:t>
             </a:fld>
             <a:endParaRPr lang="ko-KR" altLang="en-US"/>
           </a:p>
@@ -1953,7 +1959,7 @@
           <a:p>
             <a:fld id="{4A3CE669-5F8D-4070-B04A-C94B1882F289}" type="datetimeFigureOut">
               <a:rPr lang="ko-KR" altLang="en-US" smtClean="0"/>
-              <a:t>2024-02-04</a:t>
+              <a:t>2024-02-05</a:t>
             </a:fld>
             <a:endParaRPr lang="ko-KR" altLang="en-US"/>
           </a:p>
@@ -2066,7 +2072,7 @@
           <a:p>
             <a:fld id="{4A3CE669-5F8D-4070-B04A-C94B1882F289}" type="datetimeFigureOut">
               <a:rPr lang="ko-KR" altLang="en-US" smtClean="0"/>
-              <a:t>2024-02-04</a:t>
+              <a:t>2024-02-05</a:t>
             </a:fld>
             <a:endParaRPr lang="ko-KR" altLang="en-US"/>
           </a:p>
@@ -2377,7 +2383,7 @@
           <a:p>
             <a:fld id="{4A3CE669-5F8D-4070-B04A-C94B1882F289}" type="datetimeFigureOut">
               <a:rPr lang="ko-KR" altLang="en-US" smtClean="0"/>
-              <a:t>2024-02-04</a:t>
+              <a:t>2024-02-05</a:t>
             </a:fld>
             <a:endParaRPr lang="ko-KR" altLang="en-US"/>
           </a:p>
@@ -2665,7 +2671,7 @@
           <a:p>
             <a:fld id="{4A3CE669-5F8D-4070-B04A-C94B1882F289}" type="datetimeFigureOut">
               <a:rPr lang="ko-KR" altLang="en-US" smtClean="0"/>
-              <a:t>2024-02-04</a:t>
+              <a:t>2024-02-05</a:t>
             </a:fld>
             <a:endParaRPr lang="ko-KR" altLang="en-US"/>
           </a:p>
@@ -2906,7 +2912,7 @@
           <a:p>
             <a:fld id="{4A3CE669-5F8D-4070-B04A-C94B1882F289}" type="datetimeFigureOut">
               <a:rPr lang="ko-KR" altLang="en-US" smtClean="0"/>
-              <a:t>2024-02-04</a:t>
+              <a:t>2024-02-05</a:t>
             </a:fld>
             <a:endParaRPr lang="ko-KR" altLang="en-US"/>
           </a:p>
@@ -9558,6 +9564,1889 @@
 </p:sld>
 </file>
 
+<file path=ppt/slides/slide4.xml><?xml version="1.0" encoding="utf-8"?>
+<p:sld xmlns:a="http://schemas.openxmlformats.org/drawingml/2006/main" xmlns:r="http://schemas.openxmlformats.org/officeDocument/2006/relationships" xmlns:p="http://schemas.openxmlformats.org/presentationml/2006/main">
+  <p:cSld>
+    <p:spTree>
+      <p:nvGrpSpPr>
+        <p:cNvPr id="1" name=""/>
+        <p:cNvGrpSpPr/>
+        <p:nvPr/>
+      </p:nvGrpSpPr>
+      <p:grpSpPr>
+        <a:xfrm>
+          <a:off x="0" y="0"/>
+          <a:ext cx="0" cy="0"/>
+          <a:chOff x="0" y="0"/>
+          <a:chExt cx="0" cy="0"/>
+        </a:xfrm>
+      </p:grpSpPr>
+      <p:sp>
+        <p:nvSpPr>
+          <p:cNvPr id="2" name="제목 1">
+            <a:extLst>
+              <a:ext uri="{FF2B5EF4-FFF2-40B4-BE49-F238E27FC236}">
+                <a16:creationId xmlns:a16="http://schemas.microsoft.com/office/drawing/2014/main" id="{98795AD7-8AA9-E1C2-6140-6492A2031757}"/>
+              </a:ext>
+            </a:extLst>
+          </p:cNvPr>
+          <p:cNvSpPr>
+            <a:spLocks noGrp="1"/>
+          </p:cNvSpPr>
+          <p:nvPr>
+            <p:ph type="title"/>
+          </p:nvPr>
+        </p:nvSpPr>
+        <p:spPr/>
+        <p:txBody>
+          <a:bodyPr/>
+          <a:lstStyle/>
+          <a:p>
+            <a:r>
+              <a:rPr lang="ko-KR" altLang="en-US" dirty="0" err="1"/>
+              <a:t>부저</a:t>
+            </a:r>
+            <a:r>
+              <a:rPr lang="ko-KR" altLang="en-US" dirty="0"/>
+              <a:t> 순서도             </a:t>
+            </a:r>
+            <a:r>
+              <a:rPr lang="en-US" altLang="ko-KR" dirty="0"/>
+              <a:t>RBG_LED</a:t>
+            </a:r>
+            <a:r>
+              <a:rPr lang="ko-KR" altLang="en-US" dirty="0"/>
+              <a:t> 순서도</a:t>
+            </a:r>
+          </a:p>
+        </p:txBody>
+      </p:sp>
+      <p:sp>
+        <p:nvSpPr>
+          <p:cNvPr id="55" name="사각형: 둥근 모서리 54">
+            <a:extLst>
+              <a:ext uri="{FF2B5EF4-FFF2-40B4-BE49-F238E27FC236}">
+                <a16:creationId xmlns:a16="http://schemas.microsoft.com/office/drawing/2014/main" id="{040AF28B-2ECE-8BCB-AE9C-47C6684066FE}"/>
+              </a:ext>
+            </a:extLst>
+          </p:cNvPr>
+          <p:cNvSpPr/>
+          <p:nvPr/>
+        </p:nvSpPr>
+        <p:spPr>
+          <a:xfrm>
+            <a:off x="838200" y="2116708"/>
+            <a:ext cx="1570383" cy="209550"/>
+          </a:xfrm>
+          <a:prstGeom prst="roundRect">
+            <a:avLst>
+              <a:gd name="adj" fmla="val 50000"/>
+            </a:avLst>
+          </a:prstGeom>
+          <a:noFill/>
+        </p:spPr>
+        <p:style>
+          <a:lnRef idx="2">
+            <a:schemeClr val="accent1">
+              <a:shade val="15000"/>
+            </a:schemeClr>
+          </a:lnRef>
+          <a:fillRef idx="1">
+            <a:schemeClr val="accent1"/>
+          </a:fillRef>
+          <a:effectRef idx="0">
+            <a:schemeClr val="accent1"/>
+          </a:effectRef>
+          <a:fontRef idx="minor">
+            <a:schemeClr val="lt1"/>
+          </a:fontRef>
+        </p:style>
+        <p:txBody>
+          <a:bodyPr rtlCol="0" anchor="ctr"/>
+          <a:lstStyle/>
+          <a:p>
+            <a:pPr algn="ctr"/>
+            <a:r>
+              <a:rPr lang="en-US" altLang="ko-KR" sz="1000" dirty="0">
+                <a:solidFill>
+                  <a:schemeClr val="tx1"/>
+                </a:solidFill>
+              </a:rPr>
+              <a:t>start</a:t>
+            </a:r>
+            <a:endParaRPr lang="ko-KR" altLang="en-US" sz="1000" dirty="0">
+              <a:solidFill>
+                <a:schemeClr val="tx1"/>
+              </a:solidFill>
+            </a:endParaRPr>
+          </a:p>
+        </p:txBody>
+      </p:sp>
+      <p:sp>
+        <p:nvSpPr>
+          <p:cNvPr id="56" name="순서도: 판단 55">
+            <a:extLst>
+              <a:ext uri="{FF2B5EF4-FFF2-40B4-BE49-F238E27FC236}">
+                <a16:creationId xmlns:a16="http://schemas.microsoft.com/office/drawing/2014/main" id="{AFACF641-50C8-CDDF-8566-2B9155B6DE8F}"/>
+              </a:ext>
+            </a:extLst>
+          </p:cNvPr>
+          <p:cNvSpPr/>
+          <p:nvPr/>
+        </p:nvSpPr>
+        <p:spPr>
+          <a:xfrm>
+            <a:off x="965753" y="2754097"/>
+            <a:ext cx="1315279" cy="520152"/>
+          </a:xfrm>
+          <a:prstGeom prst="flowChartDecision">
+            <a:avLst/>
+          </a:prstGeom>
+          <a:noFill/>
+        </p:spPr>
+        <p:style>
+          <a:lnRef idx="2">
+            <a:schemeClr val="accent1">
+              <a:shade val="15000"/>
+            </a:schemeClr>
+          </a:lnRef>
+          <a:fillRef idx="1">
+            <a:schemeClr val="accent1"/>
+          </a:fillRef>
+          <a:effectRef idx="0">
+            <a:schemeClr val="accent1"/>
+          </a:effectRef>
+          <a:fontRef idx="minor">
+            <a:schemeClr val="lt1"/>
+          </a:fontRef>
+        </p:style>
+        <p:txBody>
+          <a:bodyPr rtlCol="0" anchor="ctr"/>
+          <a:lstStyle/>
+          <a:p>
+            <a:pPr algn="ctr"/>
+            <a:r>
+              <a:rPr lang="en-US" altLang="ko-KR" sz="1000" dirty="0">
+                <a:solidFill>
+                  <a:schemeClr val="tx1"/>
+                </a:solidFill>
+              </a:rPr>
+              <a:t>ACC off</a:t>
+            </a:r>
+            <a:endParaRPr lang="ko-KR" altLang="en-US" sz="1000" dirty="0">
+              <a:solidFill>
+                <a:schemeClr val="tx1"/>
+              </a:solidFill>
+            </a:endParaRPr>
+          </a:p>
+        </p:txBody>
+      </p:sp>
+      <p:sp>
+        <p:nvSpPr>
+          <p:cNvPr id="57" name="직사각형 56">
+            <a:extLst>
+              <a:ext uri="{FF2B5EF4-FFF2-40B4-BE49-F238E27FC236}">
+                <a16:creationId xmlns:a16="http://schemas.microsoft.com/office/drawing/2014/main" id="{58CF5C17-271E-B763-0956-B225984C852F}"/>
+              </a:ext>
+            </a:extLst>
+          </p:cNvPr>
+          <p:cNvSpPr/>
+          <p:nvPr/>
+        </p:nvSpPr>
+        <p:spPr>
+          <a:xfrm>
+            <a:off x="2874731" y="2757472"/>
+            <a:ext cx="1195179" cy="510334"/>
+          </a:xfrm>
+          <a:prstGeom prst="rect">
+            <a:avLst/>
+          </a:prstGeom>
+          <a:noFill/>
+        </p:spPr>
+        <p:style>
+          <a:lnRef idx="2">
+            <a:schemeClr val="accent1">
+              <a:shade val="15000"/>
+            </a:schemeClr>
+          </a:lnRef>
+          <a:fillRef idx="1">
+            <a:schemeClr val="accent1"/>
+          </a:fillRef>
+          <a:effectRef idx="0">
+            <a:schemeClr val="accent1"/>
+          </a:effectRef>
+          <a:fontRef idx="minor">
+            <a:schemeClr val="lt1"/>
+          </a:fontRef>
+        </p:style>
+        <p:txBody>
+          <a:bodyPr rtlCol="0" anchor="ctr"/>
+          <a:lstStyle/>
+          <a:p>
+            <a:pPr algn="ctr"/>
+            <a:r>
+              <a:rPr lang="en-US" altLang="ko-KR" sz="1000" dirty="0">
+                <a:solidFill>
+                  <a:schemeClr val="tx1"/>
+                </a:solidFill>
+              </a:rPr>
+              <a:t>Buzzer off</a:t>
+            </a:r>
+            <a:endParaRPr lang="ko-KR" altLang="en-US" sz="1000" dirty="0">
+              <a:solidFill>
+                <a:schemeClr val="tx1"/>
+              </a:solidFill>
+            </a:endParaRPr>
+          </a:p>
+        </p:txBody>
+      </p:sp>
+      <p:sp>
+        <p:nvSpPr>
+          <p:cNvPr id="58" name="순서도: 판단 57">
+            <a:extLst>
+              <a:ext uri="{FF2B5EF4-FFF2-40B4-BE49-F238E27FC236}">
+                <a16:creationId xmlns:a16="http://schemas.microsoft.com/office/drawing/2014/main" id="{CAC148D2-1D94-55E8-9716-0EA4094747C6}"/>
+              </a:ext>
+            </a:extLst>
+          </p:cNvPr>
+          <p:cNvSpPr/>
+          <p:nvPr/>
+        </p:nvSpPr>
+        <p:spPr>
+          <a:xfrm>
+            <a:off x="965753" y="3826482"/>
+            <a:ext cx="1315279" cy="520152"/>
+          </a:xfrm>
+          <a:prstGeom prst="flowChartDecision">
+            <a:avLst/>
+          </a:prstGeom>
+          <a:noFill/>
+        </p:spPr>
+        <p:style>
+          <a:lnRef idx="2">
+            <a:schemeClr val="accent1">
+              <a:shade val="15000"/>
+            </a:schemeClr>
+          </a:lnRef>
+          <a:fillRef idx="1">
+            <a:schemeClr val="accent1"/>
+          </a:fillRef>
+          <a:effectRef idx="0">
+            <a:schemeClr val="accent1"/>
+          </a:effectRef>
+          <a:fontRef idx="minor">
+            <a:schemeClr val="lt1"/>
+          </a:fontRef>
+        </p:style>
+        <p:txBody>
+          <a:bodyPr rtlCol="0" anchor="ctr"/>
+          <a:lstStyle/>
+          <a:p>
+            <a:pPr algn="ctr"/>
+            <a:r>
+              <a:rPr lang="en-US" altLang="ko-KR" sz="1000" dirty="0">
+                <a:solidFill>
+                  <a:schemeClr val="tx1"/>
+                </a:solidFill>
+              </a:rPr>
+              <a:t>Ultra</a:t>
+            </a:r>
+          </a:p>
+          <a:p>
+            <a:pPr algn="ctr"/>
+            <a:r>
+              <a:rPr lang="en-US" altLang="ko-KR" sz="1000" dirty="0">
+                <a:solidFill>
+                  <a:schemeClr val="tx1"/>
+                </a:solidFill>
+              </a:rPr>
+              <a:t>&lt;10</a:t>
+            </a:r>
+          </a:p>
+        </p:txBody>
+      </p:sp>
+      <p:sp>
+        <p:nvSpPr>
+          <p:cNvPr id="59" name="순서도: 판단 58">
+            <a:extLst>
+              <a:ext uri="{FF2B5EF4-FFF2-40B4-BE49-F238E27FC236}">
+                <a16:creationId xmlns:a16="http://schemas.microsoft.com/office/drawing/2014/main" id="{C5D52967-897D-155A-223D-BE9F771D1650}"/>
+              </a:ext>
+            </a:extLst>
+          </p:cNvPr>
+          <p:cNvSpPr/>
+          <p:nvPr/>
+        </p:nvSpPr>
+        <p:spPr>
+          <a:xfrm>
+            <a:off x="969111" y="4893682"/>
+            <a:ext cx="1315279" cy="520152"/>
+          </a:xfrm>
+          <a:prstGeom prst="flowChartDecision">
+            <a:avLst/>
+          </a:prstGeom>
+          <a:noFill/>
+        </p:spPr>
+        <p:style>
+          <a:lnRef idx="2">
+            <a:schemeClr val="accent1">
+              <a:shade val="15000"/>
+            </a:schemeClr>
+          </a:lnRef>
+          <a:fillRef idx="1">
+            <a:schemeClr val="accent1"/>
+          </a:fillRef>
+          <a:effectRef idx="0">
+            <a:schemeClr val="accent1"/>
+          </a:effectRef>
+          <a:fontRef idx="minor">
+            <a:schemeClr val="lt1"/>
+          </a:fontRef>
+        </p:style>
+        <p:txBody>
+          <a:bodyPr rtlCol="0" anchor="ctr"/>
+          <a:lstStyle/>
+          <a:p>
+            <a:pPr algn="ctr"/>
+            <a:r>
+              <a:rPr lang="en-US" altLang="ko-KR" sz="1000" dirty="0">
+                <a:solidFill>
+                  <a:schemeClr val="tx1"/>
+                </a:solidFill>
+              </a:rPr>
+              <a:t>Ultra</a:t>
+            </a:r>
+          </a:p>
+          <a:p>
+            <a:pPr algn="ctr"/>
+            <a:r>
+              <a:rPr lang="en-US" altLang="ko-KR" sz="1000" dirty="0">
+                <a:solidFill>
+                  <a:schemeClr val="tx1"/>
+                </a:solidFill>
+              </a:rPr>
+              <a:t>&lt;50</a:t>
+            </a:r>
+          </a:p>
+        </p:txBody>
+      </p:sp>
+      <p:cxnSp>
+        <p:nvCxnSpPr>
+          <p:cNvPr id="60" name="직선 화살표 연결선 59">
+            <a:extLst>
+              <a:ext uri="{FF2B5EF4-FFF2-40B4-BE49-F238E27FC236}">
+                <a16:creationId xmlns:a16="http://schemas.microsoft.com/office/drawing/2014/main" id="{2009F45C-5386-5253-9A2C-015C50450FC6}"/>
+              </a:ext>
+            </a:extLst>
+          </p:cNvPr>
+          <p:cNvCxnSpPr>
+            <a:cxnSpLocks/>
+            <a:stCxn id="56" idx="3"/>
+            <a:endCxn id="57" idx="1"/>
+          </p:cNvCxnSpPr>
+          <p:nvPr/>
+        </p:nvCxnSpPr>
+        <p:spPr>
+          <a:xfrm flipV="1">
+            <a:off x="2281032" y="3012639"/>
+            <a:ext cx="593699" cy="1534"/>
+          </a:xfrm>
+          <a:prstGeom prst="straightConnector1">
+            <a:avLst/>
+          </a:prstGeom>
+          <a:ln>
+            <a:tailEnd type="triangle"/>
+          </a:ln>
+        </p:spPr>
+        <p:style>
+          <a:lnRef idx="1">
+            <a:schemeClr val="dk1"/>
+          </a:lnRef>
+          <a:fillRef idx="0">
+            <a:schemeClr val="dk1"/>
+          </a:fillRef>
+          <a:effectRef idx="0">
+            <a:schemeClr val="dk1"/>
+          </a:effectRef>
+          <a:fontRef idx="minor">
+            <a:schemeClr val="tx1"/>
+          </a:fontRef>
+        </p:style>
+      </p:cxnSp>
+      <p:cxnSp>
+        <p:nvCxnSpPr>
+          <p:cNvPr id="61" name="직선 화살표 연결선 60">
+            <a:extLst>
+              <a:ext uri="{FF2B5EF4-FFF2-40B4-BE49-F238E27FC236}">
+                <a16:creationId xmlns:a16="http://schemas.microsoft.com/office/drawing/2014/main" id="{ACE82ABB-4799-0123-517B-545DE6CECA7F}"/>
+              </a:ext>
+            </a:extLst>
+          </p:cNvPr>
+          <p:cNvCxnSpPr>
+            <a:cxnSpLocks/>
+            <a:stCxn id="55" idx="2"/>
+            <a:endCxn id="56" idx="0"/>
+          </p:cNvCxnSpPr>
+          <p:nvPr/>
+        </p:nvCxnSpPr>
+        <p:spPr>
+          <a:xfrm>
+            <a:off x="1623392" y="2326258"/>
+            <a:ext cx="1" cy="427839"/>
+          </a:xfrm>
+          <a:prstGeom prst="straightConnector1">
+            <a:avLst/>
+          </a:prstGeom>
+          <a:ln>
+            <a:tailEnd type="triangle"/>
+          </a:ln>
+        </p:spPr>
+        <p:style>
+          <a:lnRef idx="1">
+            <a:schemeClr val="dk1"/>
+          </a:lnRef>
+          <a:fillRef idx="0">
+            <a:schemeClr val="dk1"/>
+          </a:fillRef>
+          <a:effectRef idx="0">
+            <a:schemeClr val="dk1"/>
+          </a:effectRef>
+          <a:fontRef idx="minor">
+            <a:schemeClr val="tx1"/>
+          </a:fontRef>
+        </p:style>
+      </p:cxnSp>
+      <p:cxnSp>
+        <p:nvCxnSpPr>
+          <p:cNvPr id="62" name="연결선: 꺾임 61">
+            <a:extLst>
+              <a:ext uri="{FF2B5EF4-FFF2-40B4-BE49-F238E27FC236}">
+                <a16:creationId xmlns:a16="http://schemas.microsoft.com/office/drawing/2014/main" id="{BF6F8674-D62A-8AD0-B524-62B15BA74497}"/>
+              </a:ext>
+            </a:extLst>
+          </p:cNvPr>
+          <p:cNvCxnSpPr>
+            <a:stCxn id="57" idx="0"/>
+          </p:cNvCxnSpPr>
+          <p:nvPr/>
+        </p:nvCxnSpPr>
+        <p:spPr>
+          <a:xfrm rot="16200000" flipV="1">
+            <a:off x="2458963" y="1744113"/>
+            <a:ext cx="217295" cy="1809423"/>
+          </a:xfrm>
+          <a:prstGeom prst="bentConnector2">
+            <a:avLst/>
+          </a:prstGeom>
+          <a:ln>
+            <a:tailEnd type="triangle"/>
+          </a:ln>
+        </p:spPr>
+        <p:style>
+          <a:lnRef idx="1">
+            <a:schemeClr val="dk1"/>
+          </a:lnRef>
+          <a:fillRef idx="0">
+            <a:schemeClr val="dk1"/>
+          </a:fillRef>
+          <a:effectRef idx="0">
+            <a:schemeClr val="dk1"/>
+          </a:effectRef>
+          <a:fontRef idx="minor">
+            <a:schemeClr val="tx1"/>
+          </a:fontRef>
+        </p:style>
+      </p:cxnSp>
+      <p:cxnSp>
+        <p:nvCxnSpPr>
+          <p:cNvPr id="63" name="직선 화살표 연결선 62">
+            <a:extLst>
+              <a:ext uri="{FF2B5EF4-FFF2-40B4-BE49-F238E27FC236}">
+                <a16:creationId xmlns:a16="http://schemas.microsoft.com/office/drawing/2014/main" id="{F14432B3-2063-0B69-26CF-14E87432EE88}"/>
+              </a:ext>
+            </a:extLst>
+          </p:cNvPr>
+          <p:cNvCxnSpPr>
+            <a:cxnSpLocks/>
+            <a:stCxn id="56" idx="2"/>
+            <a:endCxn id="58" idx="0"/>
+          </p:cNvCxnSpPr>
+          <p:nvPr/>
+        </p:nvCxnSpPr>
+        <p:spPr>
+          <a:xfrm>
+            <a:off x="1623393" y="3274249"/>
+            <a:ext cx="0" cy="552233"/>
+          </a:xfrm>
+          <a:prstGeom prst="straightConnector1">
+            <a:avLst/>
+          </a:prstGeom>
+          <a:ln>
+            <a:tailEnd type="triangle"/>
+          </a:ln>
+        </p:spPr>
+        <p:style>
+          <a:lnRef idx="1">
+            <a:schemeClr val="dk1"/>
+          </a:lnRef>
+          <a:fillRef idx="0">
+            <a:schemeClr val="dk1"/>
+          </a:fillRef>
+          <a:effectRef idx="0">
+            <a:schemeClr val="dk1"/>
+          </a:effectRef>
+          <a:fontRef idx="minor">
+            <a:schemeClr val="tx1"/>
+          </a:fontRef>
+        </p:style>
+      </p:cxnSp>
+      <p:cxnSp>
+        <p:nvCxnSpPr>
+          <p:cNvPr id="64" name="직선 화살표 연결선 63">
+            <a:extLst>
+              <a:ext uri="{FF2B5EF4-FFF2-40B4-BE49-F238E27FC236}">
+                <a16:creationId xmlns:a16="http://schemas.microsoft.com/office/drawing/2014/main" id="{DB299A43-BA17-6318-7506-0ADD999CC0B8}"/>
+              </a:ext>
+            </a:extLst>
+          </p:cNvPr>
+          <p:cNvCxnSpPr>
+            <a:cxnSpLocks/>
+            <a:stCxn id="58" idx="2"/>
+            <a:endCxn id="59" idx="0"/>
+          </p:cNvCxnSpPr>
+          <p:nvPr/>
+        </p:nvCxnSpPr>
+        <p:spPr>
+          <a:xfrm>
+            <a:off x="1623393" y="4346634"/>
+            <a:ext cx="3358" cy="547048"/>
+          </a:xfrm>
+          <a:prstGeom prst="straightConnector1">
+            <a:avLst/>
+          </a:prstGeom>
+          <a:ln>
+            <a:tailEnd type="triangle"/>
+          </a:ln>
+        </p:spPr>
+        <p:style>
+          <a:lnRef idx="1">
+            <a:schemeClr val="dk1"/>
+          </a:lnRef>
+          <a:fillRef idx="0">
+            <a:schemeClr val="dk1"/>
+          </a:fillRef>
+          <a:effectRef idx="0">
+            <a:schemeClr val="dk1"/>
+          </a:effectRef>
+          <a:fontRef idx="minor">
+            <a:schemeClr val="tx1"/>
+          </a:fontRef>
+        </p:style>
+      </p:cxnSp>
+      <p:cxnSp>
+        <p:nvCxnSpPr>
+          <p:cNvPr id="65" name="연결선: 꺾임 64">
+            <a:extLst>
+              <a:ext uri="{FF2B5EF4-FFF2-40B4-BE49-F238E27FC236}">
+                <a16:creationId xmlns:a16="http://schemas.microsoft.com/office/drawing/2014/main" id="{BA6F36E5-3496-766C-2ED8-B4DFF4CA2407}"/>
+              </a:ext>
+            </a:extLst>
+          </p:cNvPr>
+          <p:cNvCxnSpPr>
+            <a:cxnSpLocks/>
+            <a:stCxn id="59" idx="2"/>
+            <a:endCxn id="57" idx="3"/>
+          </p:cNvCxnSpPr>
+          <p:nvPr/>
+        </p:nvCxnSpPr>
+        <p:spPr>
+          <a:xfrm rot="5400000" flipH="1" flipV="1">
+            <a:off x="1647732" y="2991657"/>
+            <a:ext cx="2401195" cy="2443159"/>
+          </a:xfrm>
+          <a:prstGeom prst="bentConnector4">
+            <a:avLst>
+              <a:gd name="adj1" fmla="val -9520"/>
+              <a:gd name="adj2" fmla="val 109357"/>
+            </a:avLst>
+          </a:prstGeom>
+          <a:ln>
+            <a:tailEnd type="triangle"/>
+          </a:ln>
+        </p:spPr>
+        <p:style>
+          <a:lnRef idx="1">
+            <a:schemeClr val="dk1"/>
+          </a:lnRef>
+          <a:fillRef idx="0">
+            <a:schemeClr val="dk1"/>
+          </a:fillRef>
+          <a:effectRef idx="0">
+            <a:schemeClr val="dk1"/>
+          </a:effectRef>
+          <a:fontRef idx="minor">
+            <a:schemeClr val="tx1"/>
+          </a:fontRef>
+        </p:style>
+      </p:cxnSp>
+      <p:sp>
+        <p:nvSpPr>
+          <p:cNvPr id="66" name="직사각형 65">
+            <a:extLst>
+              <a:ext uri="{FF2B5EF4-FFF2-40B4-BE49-F238E27FC236}">
+                <a16:creationId xmlns:a16="http://schemas.microsoft.com/office/drawing/2014/main" id="{4DC62AA7-60C4-0817-F475-83F0B63EE394}"/>
+              </a:ext>
+            </a:extLst>
+          </p:cNvPr>
+          <p:cNvSpPr/>
+          <p:nvPr/>
+        </p:nvSpPr>
+        <p:spPr>
+          <a:xfrm>
+            <a:off x="2874731" y="3821227"/>
+            <a:ext cx="1195179" cy="510334"/>
+          </a:xfrm>
+          <a:prstGeom prst="rect">
+            <a:avLst/>
+          </a:prstGeom>
+          <a:noFill/>
+        </p:spPr>
+        <p:style>
+          <a:lnRef idx="2">
+            <a:schemeClr val="accent1">
+              <a:shade val="15000"/>
+            </a:schemeClr>
+          </a:lnRef>
+          <a:fillRef idx="1">
+            <a:schemeClr val="accent1"/>
+          </a:fillRef>
+          <a:effectRef idx="0">
+            <a:schemeClr val="accent1"/>
+          </a:effectRef>
+          <a:fontRef idx="minor">
+            <a:schemeClr val="lt1"/>
+          </a:fontRef>
+        </p:style>
+        <p:txBody>
+          <a:bodyPr rtlCol="0" anchor="ctr"/>
+          <a:lstStyle/>
+          <a:p>
+            <a:pPr algn="ctr"/>
+            <a:r>
+              <a:rPr lang="en-US" altLang="ko-KR" sz="1000" dirty="0">
+                <a:solidFill>
+                  <a:schemeClr val="tx1"/>
+                </a:solidFill>
+              </a:rPr>
+              <a:t>Buzzer on/off</a:t>
+            </a:r>
+          </a:p>
+          <a:p>
+            <a:pPr algn="ctr"/>
+            <a:r>
+              <a:rPr lang="en-US" altLang="ko-KR" sz="1000" dirty="0">
+                <a:solidFill>
+                  <a:schemeClr val="tx1"/>
+                </a:solidFill>
+              </a:rPr>
+              <a:t>(0.2sec period)</a:t>
+            </a:r>
+          </a:p>
+        </p:txBody>
+      </p:sp>
+      <p:cxnSp>
+        <p:nvCxnSpPr>
+          <p:cNvPr id="67" name="직선 화살표 연결선 66">
+            <a:extLst>
+              <a:ext uri="{FF2B5EF4-FFF2-40B4-BE49-F238E27FC236}">
+                <a16:creationId xmlns:a16="http://schemas.microsoft.com/office/drawing/2014/main" id="{ADBC296F-E17D-7C88-0F0B-0C987B44DFD6}"/>
+              </a:ext>
+            </a:extLst>
+          </p:cNvPr>
+          <p:cNvCxnSpPr>
+            <a:cxnSpLocks/>
+            <a:endCxn id="66" idx="1"/>
+          </p:cNvCxnSpPr>
+          <p:nvPr/>
+        </p:nvCxnSpPr>
+        <p:spPr>
+          <a:xfrm flipV="1">
+            <a:off x="2281032" y="4076394"/>
+            <a:ext cx="593699" cy="1534"/>
+          </a:xfrm>
+          <a:prstGeom prst="straightConnector1">
+            <a:avLst/>
+          </a:prstGeom>
+          <a:ln>
+            <a:tailEnd type="triangle"/>
+          </a:ln>
+        </p:spPr>
+        <p:style>
+          <a:lnRef idx="1">
+            <a:schemeClr val="dk1"/>
+          </a:lnRef>
+          <a:fillRef idx="0">
+            <a:schemeClr val="dk1"/>
+          </a:fillRef>
+          <a:effectRef idx="0">
+            <a:schemeClr val="dk1"/>
+          </a:effectRef>
+          <a:fontRef idx="minor">
+            <a:schemeClr val="tx1"/>
+          </a:fontRef>
+        </p:style>
+      </p:cxnSp>
+      <p:cxnSp>
+        <p:nvCxnSpPr>
+          <p:cNvPr id="68" name="연결선: 꺾임 67">
+            <a:extLst>
+              <a:ext uri="{FF2B5EF4-FFF2-40B4-BE49-F238E27FC236}">
+                <a16:creationId xmlns:a16="http://schemas.microsoft.com/office/drawing/2014/main" id="{E9F37835-FD19-ACEA-1BE7-6532CC1E392E}"/>
+              </a:ext>
+            </a:extLst>
+          </p:cNvPr>
+          <p:cNvCxnSpPr>
+            <a:cxnSpLocks/>
+            <a:stCxn id="66" idx="0"/>
+          </p:cNvCxnSpPr>
+          <p:nvPr/>
+        </p:nvCxnSpPr>
+        <p:spPr>
+          <a:xfrm rot="16200000" flipV="1">
+            <a:off x="2458963" y="2807868"/>
+            <a:ext cx="217295" cy="1809423"/>
+          </a:xfrm>
+          <a:prstGeom prst="bentConnector2">
+            <a:avLst/>
+          </a:prstGeom>
+          <a:ln>
+            <a:tailEnd type="triangle"/>
+          </a:ln>
+        </p:spPr>
+        <p:style>
+          <a:lnRef idx="1">
+            <a:schemeClr val="dk1"/>
+          </a:lnRef>
+          <a:fillRef idx="0">
+            <a:schemeClr val="dk1"/>
+          </a:fillRef>
+          <a:effectRef idx="0">
+            <a:schemeClr val="dk1"/>
+          </a:effectRef>
+          <a:fontRef idx="minor">
+            <a:schemeClr val="tx1"/>
+          </a:fontRef>
+        </p:style>
+      </p:cxnSp>
+      <p:sp>
+        <p:nvSpPr>
+          <p:cNvPr id="69" name="직사각형 68">
+            <a:extLst>
+              <a:ext uri="{FF2B5EF4-FFF2-40B4-BE49-F238E27FC236}">
+                <a16:creationId xmlns:a16="http://schemas.microsoft.com/office/drawing/2014/main" id="{A0CED8E1-F5EB-911E-2299-57EF6E801527}"/>
+              </a:ext>
+            </a:extLst>
+          </p:cNvPr>
+          <p:cNvSpPr/>
+          <p:nvPr/>
+        </p:nvSpPr>
+        <p:spPr>
+          <a:xfrm>
+            <a:off x="2874731" y="4884908"/>
+            <a:ext cx="1195179" cy="510334"/>
+          </a:xfrm>
+          <a:prstGeom prst="rect">
+            <a:avLst/>
+          </a:prstGeom>
+          <a:noFill/>
+        </p:spPr>
+        <p:style>
+          <a:lnRef idx="2">
+            <a:schemeClr val="accent1">
+              <a:shade val="15000"/>
+            </a:schemeClr>
+          </a:lnRef>
+          <a:fillRef idx="1">
+            <a:schemeClr val="accent1"/>
+          </a:fillRef>
+          <a:effectRef idx="0">
+            <a:schemeClr val="accent1"/>
+          </a:effectRef>
+          <a:fontRef idx="minor">
+            <a:schemeClr val="lt1"/>
+          </a:fontRef>
+        </p:style>
+        <p:txBody>
+          <a:bodyPr rtlCol="0" anchor="ctr"/>
+          <a:lstStyle/>
+          <a:p>
+            <a:pPr algn="ctr"/>
+            <a:r>
+              <a:rPr lang="en-US" altLang="ko-KR" sz="1000" dirty="0">
+                <a:solidFill>
+                  <a:schemeClr val="tx1"/>
+                </a:solidFill>
+              </a:rPr>
+              <a:t>Blue LED on/off</a:t>
+            </a:r>
+          </a:p>
+          <a:p>
+            <a:pPr algn="ctr"/>
+            <a:r>
+              <a:rPr lang="en-US" altLang="ko-KR" sz="1000" dirty="0">
+                <a:solidFill>
+                  <a:schemeClr val="tx1"/>
+                </a:solidFill>
+              </a:rPr>
+              <a:t>(1sec period)</a:t>
+            </a:r>
+            <a:endParaRPr lang="ko-KR" altLang="en-US" sz="1000" dirty="0">
+              <a:solidFill>
+                <a:schemeClr val="tx1"/>
+              </a:solidFill>
+            </a:endParaRPr>
+          </a:p>
+        </p:txBody>
+      </p:sp>
+      <p:cxnSp>
+        <p:nvCxnSpPr>
+          <p:cNvPr id="70" name="직선 화살표 연결선 69">
+            <a:extLst>
+              <a:ext uri="{FF2B5EF4-FFF2-40B4-BE49-F238E27FC236}">
+                <a16:creationId xmlns:a16="http://schemas.microsoft.com/office/drawing/2014/main" id="{D752BC23-56BA-CE63-A80D-C8CC2279B0F4}"/>
+              </a:ext>
+            </a:extLst>
+          </p:cNvPr>
+          <p:cNvCxnSpPr>
+            <a:cxnSpLocks/>
+            <a:endCxn id="69" idx="1"/>
+          </p:cNvCxnSpPr>
+          <p:nvPr/>
+        </p:nvCxnSpPr>
+        <p:spPr>
+          <a:xfrm flipV="1">
+            <a:off x="2281032" y="5140075"/>
+            <a:ext cx="593699" cy="1534"/>
+          </a:xfrm>
+          <a:prstGeom prst="straightConnector1">
+            <a:avLst/>
+          </a:prstGeom>
+          <a:ln>
+            <a:tailEnd type="triangle"/>
+          </a:ln>
+        </p:spPr>
+        <p:style>
+          <a:lnRef idx="1">
+            <a:schemeClr val="dk1"/>
+          </a:lnRef>
+          <a:fillRef idx="0">
+            <a:schemeClr val="dk1"/>
+          </a:fillRef>
+          <a:effectRef idx="0">
+            <a:schemeClr val="dk1"/>
+          </a:effectRef>
+          <a:fontRef idx="minor">
+            <a:schemeClr val="tx1"/>
+          </a:fontRef>
+        </p:style>
+      </p:cxnSp>
+      <p:cxnSp>
+        <p:nvCxnSpPr>
+          <p:cNvPr id="71" name="연결선: 꺾임 70">
+            <a:extLst>
+              <a:ext uri="{FF2B5EF4-FFF2-40B4-BE49-F238E27FC236}">
+                <a16:creationId xmlns:a16="http://schemas.microsoft.com/office/drawing/2014/main" id="{20D47A5B-A41A-0BDC-C36F-E16F5EA3506E}"/>
+              </a:ext>
+            </a:extLst>
+          </p:cNvPr>
+          <p:cNvCxnSpPr>
+            <a:cxnSpLocks/>
+            <a:stCxn id="69" idx="0"/>
+          </p:cNvCxnSpPr>
+          <p:nvPr/>
+        </p:nvCxnSpPr>
+        <p:spPr>
+          <a:xfrm rot="16200000" flipV="1">
+            <a:off x="2458963" y="3871549"/>
+            <a:ext cx="217295" cy="1809423"/>
+          </a:xfrm>
+          <a:prstGeom prst="bentConnector2">
+            <a:avLst/>
+          </a:prstGeom>
+          <a:ln>
+            <a:tailEnd type="triangle"/>
+          </a:ln>
+        </p:spPr>
+        <p:style>
+          <a:lnRef idx="1">
+            <a:schemeClr val="dk1"/>
+          </a:lnRef>
+          <a:fillRef idx="0">
+            <a:schemeClr val="dk1"/>
+          </a:fillRef>
+          <a:effectRef idx="0">
+            <a:schemeClr val="dk1"/>
+          </a:effectRef>
+          <a:fontRef idx="minor">
+            <a:schemeClr val="tx1"/>
+          </a:fontRef>
+        </p:style>
+      </p:cxnSp>
+      <p:sp>
+        <p:nvSpPr>
+          <p:cNvPr id="72" name="TextBox 71">
+            <a:extLst>
+              <a:ext uri="{FF2B5EF4-FFF2-40B4-BE49-F238E27FC236}">
+                <a16:creationId xmlns:a16="http://schemas.microsoft.com/office/drawing/2014/main" id="{84AE26B2-C3D7-C1B4-D59B-D3D0BA4FC5F2}"/>
+              </a:ext>
+            </a:extLst>
+          </p:cNvPr>
+          <p:cNvSpPr txBox="1"/>
+          <p:nvPr/>
+        </p:nvSpPr>
+        <p:spPr>
+          <a:xfrm>
+            <a:off x="1219531" y="5523663"/>
+            <a:ext cx="403860" cy="246221"/>
+          </a:xfrm>
+          <a:prstGeom prst="rect">
+            <a:avLst/>
+          </a:prstGeom>
+          <a:noFill/>
+        </p:spPr>
+        <p:txBody>
+          <a:bodyPr wrap="square" rtlCol="0">
+            <a:spAutoFit/>
+          </a:bodyPr>
+          <a:lstStyle/>
+          <a:p>
+            <a:r>
+              <a:rPr lang="en-US" altLang="ko-KR" sz="1000" dirty="0"/>
+              <a:t>no</a:t>
+            </a:r>
+          </a:p>
+        </p:txBody>
+      </p:sp>
+      <p:sp>
+        <p:nvSpPr>
+          <p:cNvPr id="73" name="TextBox 72">
+            <a:extLst>
+              <a:ext uri="{FF2B5EF4-FFF2-40B4-BE49-F238E27FC236}">
+                <a16:creationId xmlns:a16="http://schemas.microsoft.com/office/drawing/2014/main" id="{0242F3E0-ABA2-4C73-E212-CB654F80E826}"/>
+              </a:ext>
+            </a:extLst>
+          </p:cNvPr>
+          <p:cNvSpPr txBox="1"/>
+          <p:nvPr/>
+        </p:nvSpPr>
+        <p:spPr>
+          <a:xfrm>
+            <a:off x="2157368" y="5176387"/>
+            <a:ext cx="403860" cy="246221"/>
+          </a:xfrm>
+          <a:prstGeom prst="rect">
+            <a:avLst/>
+          </a:prstGeom>
+          <a:noFill/>
+        </p:spPr>
+        <p:txBody>
+          <a:bodyPr wrap="square" rtlCol="0">
+            <a:spAutoFit/>
+          </a:bodyPr>
+          <a:lstStyle/>
+          <a:p>
+            <a:r>
+              <a:rPr lang="en-US" altLang="ko-KR" sz="1000" dirty="0"/>
+              <a:t>yes</a:t>
+            </a:r>
+            <a:endParaRPr lang="ko-KR" altLang="en-US" sz="1000" dirty="0"/>
+          </a:p>
+        </p:txBody>
+      </p:sp>
+      <p:sp>
+        <p:nvSpPr>
+          <p:cNvPr id="74" name="TextBox 73">
+            <a:extLst>
+              <a:ext uri="{FF2B5EF4-FFF2-40B4-BE49-F238E27FC236}">
+                <a16:creationId xmlns:a16="http://schemas.microsoft.com/office/drawing/2014/main" id="{E768F9EA-C5F9-9E88-577A-E676539C4672}"/>
+              </a:ext>
+            </a:extLst>
+          </p:cNvPr>
+          <p:cNvSpPr txBox="1"/>
+          <p:nvPr/>
+        </p:nvSpPr>
+        <p:spPr>
+          <a:xfrm>
+            <a:off x="2098567" y="4099363"/>
+            <a:ext cx="403860" cy="246221"/>
+          </a:xfrm>
+          <a:prstGeom prst="rect">
+            <a:avLst/>
+          </a:prstGeom>
+          <a:noFill/>
+        </p:spPr>
+        <p:txBody>
+          <a:bodyPr wrap="square" rtlCol="0">
+            <a:spAutoFit/>
+          </a:bodyPr>
+          <a:lstStyle/>
+          <a:p>
+            <a:r>
+              <a:rPr lang="en-US" altLang="ko-KR" sz="1000" dirty="0"/>
+              <a:t>yes</a:t>
+            </a:r>
+            <a:endParaRPr lang="ko-KR" altLang="en-US" sz="1000" dirty="0"/>
+          </a:p>
+        </p:txBody>
+      </p:sp>
+      <p:sp>
+        <p:nvSpPr>
+          <p:cNvPr id="75" name="TextBox 74">
+            <a:extLst>
+              <a:ext uri="{FF2B5EF4-FFF2-40B4-BE49-F238E27FC236}">
+                <a16:creationId xmlns:a16="http://schemas.microsoft.com/office/drawing/2014/main" id="{B8FD2DCF-96FE-7A28-EF62-9C49CA3BBDEE}"/>
+              </a:ext>
+            </a:extLst>
+          </p:cNvPr>
+          <p:cNvSpPr txBox="1"/>
+          <p:nvPr/>
+        </p:nvSpPr>
+        <p:spPr>
+          <a:xfrm>
+            <a:off x="2166044" y="3090708"/>
+            <a:ext cx="403860" cy="246221"/>
+          </a:xfrm>
+          <a:prstGeom prst="rect">
+            <a:avLst/>
+          </a:prstGeom>
+          <a:noFill/>
+        </p:spPr>
+        <p:txBody>
+          <a:bodyPr wrap="square" rtlCol="0">
+            <a:spAutoFit/>
+          </a:bodyPr>
+          <a:lstStyle/>
+          <a:p>
+            <a:r>
+              <a:rPr lang="en-US" altLang="ko-KR" sz="1000" dirty="0"/>
+              <a:t>yes</a:t>
+            </a:r>
+            <a:endParaRPr lang="ko-KR" altLang="en-US" sz="1000" dirty="0"/>
+          </a:p>
+        </p:txBody>
+      </p:sp>
+      <p:sp>
+        <p:nvSpPr>
+          <p:cNvPr id="76" name="TextBox 75">
+            <a:extLst>
+              <a:ext uri="{FF2B5EF4-FFF2-40B4-BE49-F238E27FC236}">
+                <a16:creationId xmlns:a16="http://schemas.microsoft.com/office/drawing/2014/main" id="{DE5BFE12-FDC0-9EA3-B031-AF7D209F2FD5}"/>
+              </a:ext>
+            </a:extLst>
+          </p:cNvPr>
+          <p:cNvSpPr txBox="1"/>
+          <p:nvPr/>
+        </p:nvSpPr>
+        <p:spPr>
+          <a:xfrm>
+            <a:off x="1195417" y="4353561"/>
+            <a:ext cx="403860" cy="246221"/>
+          </a:xfrm>
+          <a:prstGeom prst="rect">
+            <a:avLst/>
+          </a:prstGeom>
+          <a:noFill/>
+        </p:spPr>
+        <p:txBody>
+          <a:bodyPr wrap="square" rtlCol="0">
+            <a:spAutoFit/>
+          </a:bodyPr>
+          <a:lstStyle/>
+          <a:p>
+            <a:r>
+              <a:rPr lang="en-US" altLang="ko-KR" sz="1000" dirty="0"/>
+              <a:t>no</a:t>
+            </a:r>
+          </a:p>
+        </p:txBody>
+      </p:sp>
+      <p:sp>
+        <p:nvSpPr>
+          <p:cNvPr id="77" name="TextBox 76">
+            <a:extLst>
+              <a:ext uri="{FF2B5EF4-FFF2-40B4-BE49-F238E27FC236}">
+                <a16:creationId xmlns:a16="http://schemas.microsoft.com/office/drawing/2014/main" id="{A37DB9EE-F7B3-DE79-34BC-4274A043C81F}"/>
+              </a:ext>
+            </a:extLst>
+          </p:cNvPr>
+          <p:cNvSpPr txBox="1"/>
+          <p:nvPr/>
+        </p:nvSpPr>
+        <p:spPr>
+          <a:xfrm>
+            <a:off x="1177343" y="3267806"/>
+            <a:ext cx="403860" cy="246221"/>
+          </a:xfrm>
+          <a:prstGeom prst="rect">
+            <a:avLst/>
+          </a:prstGeom>
+          <a:noFill/>
+        </p:spPr>
+        <p:txBody>
+          <a:bodyPr wrap="square" rtlCol="0">
+            <a:spAutoFit/>
+          </a:bodyPr>
+          <a:lstStyle/>
+          <a:p>
+            <a:r>
+              <a:rPr lang="en-US" altLang="ko-KR" sz="1000" dirty="0"/>
+              <a:t>no</a:t>
+            </a:r>
+          </a:p>
+        </p:txBody>
+      </p:sp>
+      <p:sp>
+        <p:nvSpPr>
+          <p:cNvPr id="78" name="사각형: 둥근 모서리 77">
+            <a:extLst>
+              <a:ext uri="{FF2B5EF4-FFF2-40B4-BE49-F238E27FC236}">
+                <a16:creationId xmlns:a16="http://schemas.microsoft.com/office/drawing/2014/main" id="{D68D162E-1480-D5DC-6B6B-E0154618B053}"/>
+              </a:ext>
+            </a:extLst>
+          </p:cNvPr>
+          <p:cNvSpPr/>
+          <p:nvPr/>
+        </p:nvSpPr>
+        <p:spPr>
+          <a:xfrm>
+            <a:off x="6443857" y="2048128"/>
+            <a:ext cx="1570383" cy="209550"/>
+          </a:xfrm>
+          <a:prstGeom prst="roundRect">
+            <a:avLst>
+              <a:gd name="adj" fmla="val 50000"/>
+            </a:avLst>
+          </a:prstGeom>
+          <a:noFill/>
+        </p:spPr>
+        <p:style>
+          <a:lnRef idx="2">
+            <a:schemeClr val="accent1">
+              <a:shade val="15000"/>
+            </a:schemeClr>
+          </a:lnRef>
+          <a:fillRef idx="1">
+            <a:schemeClr val="accent1"/>
+          </a:fillRef>
+          <a:effectRef idx="0">
+            <a:schemeClr val="accent1"/>
+          </a:effectRef>
+          <a:fontRef idx="minor">
+            <a:schemeClr val="lt1"/>
+          </a:fontRef>
+        </p:style>
+        <p:txBody>
+          <a:bodyPr rtlCol="0" anchor="ctr"/>
+          <a:lstStyle/>
+          <a:p>
+            <a:pPr algn="ctr"/>
+            <a:r>
+              <a:rPr lang="en-US" altLang="ko-KR" sz="1000" dirty="0">
+                <a:solidFill>
+                  <a:schemeClr val="tx1"/>
+                </a:solidFill>
+              </a:rPr>
+              <a:t>start</a:t>
+            </a:r>
+            <a:endParaRPr lang="ko-KR" altLang="en-US" sz="1000" dirty="0">
+              <a:solidFill>
+                <a:schemeClr val="tx1"/>
+              </a:solidFill>
+            </a:endParaRPr>
+          </a:p>
+        </p:txBody>
+      </p:sp>
+      <p:sp>
+        <p:nvSpPr>
+          <p:cNvPr id="79" name="순서도: 판단 78">
+            <a:extLst>
+              <a:ext uri="{FF2B5EF4-FFF2-40B4-BE49-F238E27FC236}">
+                <a16:creationId xmlns:a16="http://schemas.microsoft.com/office/drawing/2014/main" id="{21A87D65-CFA6-55AA-25D1-3E014E72A4F5}"/>
+              </a:ext>
+            </a:extLst>
+          </p:cNvPr>
+          <p:cNvSpPr/>
+          <p:nvPr/>
+        </p:nvSpPr>
+        <p:spPr>
+          <a:xfrm>
+            <a:off x="6571410" y="2685517"/>
+            <a:ext cx="1315279" cy="520152"/>
+          </a:xfrm>
+          <a:prstGeom prst="flowChartDecision">
+            <a:avLst/>
+          </a:prstGeom>
+          <a:noFill/>
+        </p:spPr>
+        <p:style>
+          <a:lnRef idx="2">
+            <a:schemeClr val="accent1">
+              <a:shade val="15000"/>
+            </a:schemeClr>
+          </a:lnRef>
+          <a:fillRef idx="1">
+            <a:schemeClr val="accent1"/>
+          </a:fillRef>
+          <a:effectRef idx="0">
+            <a:schemeClr val="accent1"/>
+          </a:effectRef>
+          <a:fontRef idx="minor">
+            <a:schemeClr val="lt1"/>
+          </a:fontRef>
+        </p:style>
+        <p:txBody>
+          <a:bodyPr rtlCol="0" anchor="ctr"/>
+          <a:lstStyle/>
+          <a:p>
+            <a:pPr algn="ctr"/>
+            <a:r>
+              <a:rPr lang="en-US" altLang="ko-KR" sz="1000" dirty="0">
+                <a:solidFill>
+                  <a:schemeClr val="tx1"/>
+                </a:solidFill>
+              </a:rPr>
+              <a:t>ACC off</a:t>
+            </a:r>
+            <a:endParaRPr lang="ko-KR" altLang="en-US" sz="1000" dirty="0">
+              <a:solidFill>
+                <a:schemeClr val="tx1"/>
+              </a:solidFill>
+            </a:endParaRPr>
+          </a:p>
+        </p:txBody>
+      </p:sp>
+      <p:sp>
+        <p:nvSpPr>
+          <p:cNvPr id="80" name="직사각형 79">
+            <a:extLst>
+              <a:ext uri="{FF2B5EF4-FFF2-40B4-BE49-F238E27FC236}">
+                <a16:creationId xmlns:a16="http://schemas.microsoft.com/office/drawing/2014/main" id="{E0102B08-7D79-7167-BA08-3B72211EB29F}"/>
+              </a:ext>
+            </a:extLst>
+          </p:cNvPr>
+          <p:cNvSpPr/>
+          <p:nvPr/>
+        </p:nvSpPr>
+        <p:spPr>
+          <a:xfrm>
+            <a:off x="8480388" y="2688892"/>
+            <a:ext cx="1195179" cy="510334"/>
+          </a:xfrm>
+          <a:prstGeom prst="rect">
+            <a:avLst/>
+          </a:prstGeom>
+          <a:noFill/>
+        </p:spPr>
+        <p:style>
+          <a:lnRef idx="2">
+            <a:schemeClr val="accent1">
+              <a:shade val="15000"/>
+            </a:schemeClr>
+          </a:lnRef>
+          <a:fillRef idx="1">
+            <a:schemeClr val="accent1"/>
+          </a:fillRef>
+          <a:effectRef idx="0">
+            <a:schemeClr val="accent1"/>
+          </a:effectRef>
+          <a:fontRef idx="minor">
+            <a:schemeClr val="lt1"/>
+          </a:fontRef>
+        </p:style>
+        <p:txBody>
+          <a:bodyPr rtlCol="0" anchor="ctr"/>
+          <a:lstStyle/>
+          <a:p>
+            <a:pPr algn="ctr"/>
+            <a:r>
+              <a:rPr lang="en-US" altLang="ko-KR" sz="1000" dirty="0">
+                <a:solidFill>
+                  <a:schemeClr val="tx1"/>
+                </a:solidFill>
+              </a:rPr>
+              <a:t>RGB_LED off</a:t>
+            </a:r>
+            <a:endParaRPr lang="ko-KR" altLang="en-US" sz="1000" dirty="0">
+              <a:solidFill>
+                <a:schemeClr val="tx1"/>
+              </a:solidFill>
+            </a:endParaRPr>
+          </a:p>
+        </p:txBody>
+      </p:sp>
+      <p:sp>
+        <p:nvSpPr>
+          <p:cNvPr id="81" name="순서도: 판단 80">
+            <a:extLst>
+              <a:ext uri="{FF2B5EF4-FFF2-40B4-BE49-F238E27FC236}">
+                <a16:creationId xmlns:a16="http://schemas.microsoft.com/office/drawing/2014/main" id="{C4A33312-6070-B07A-58D6-B6D4C5A3DFF9}"/>
+              </a:ext>
+            </a:extLst>
+          </p:cNvPr>
+          <p:cNvSpPr/>
+          <p:nvPr/>
+        </p:nvSpPr>
+        <p:spPr>
+          <a:xfrm>
+            <a:off x="6571410" y="3757902"/>
+            <a:ext cx="1315279" cy="520152"/>
+          </a:xfrm>
+          <a:prstGeom prst="flowChartDecision">
+            <a:avLst/>
+          </a:prstGeom>
+          <a:noFill/>
+        </p:spPr>
+        <p:style>
+          <a:lnRef idx="2">
+            <a:schemeClr val="accent1">
+              <a:shade val="15000"/>
+            </a:schemeClr>
+          </a:lnRef>
+          <a:fillRef idx="1">
+            <a:schemeClr val="accent1"/>
+          </a:fillRef>
+          <a:effectRef idx="0">
+            <a:schemeClr val="accent1"/>
+          </a:effectRef>
+          <a:fontRef idx="minor">
+            <a:schemeClr val="lt1"/>
+          </a:fontRef>
+        </p:style>
+        <p:txBody>
+          <a:bodyPr rtlCol="0" anchor="ctr"/>
+          <a:lstStyle/>
+          <a:p>
+            <a:pPr algn="ctr"/>
+            <a:r>
+              <a:rPr lang="en-US" altLang="ko-KR" sz="1000" dirty="0">
+                <a:solidFill>
+                  <a:schemeClr val="tx1"/>
+                </a:solidFill>
+              </a:rPr>
+              <a:t>Bright &lt; 500</a:t>
+            </a:r>
+          </a:p>
+        </p:txBody>
+      </p:sp>
+      <p:cxnSp>
+        <p:nvCxnSpPr>
+          <p:cNvPr id="83" name="직선 화살표 연결선 82">
+            <a:extLst>
+              <a:ext uri="{FF2B5EF4-FFF2-40B4-BE49-F238E27FC236}">
+                <a16:creationId xmlns:a16="http://schemas.microsoft.com/office/drawing/2014/main" id="{C5897CDA-6B84-6BD2-0F56-EE91D219E936}"/>
+              </a:ext>
+            </a:extLst>
+          </p:cNvPr>
+          <p:cNvCxnSpPr>
+            <a:cxnSpLocks/>
+            <a:stCxn id="79" idx="3"/>
+            <a:endCxn id="80" idx="1"/>
+          </p:cNvCxnSpPr>
+          <p:nvPr/>
+        </p:nvCxnSpPr>
+        <p:spPr>
+          <a:xfrm flipV="1">
+            <a:off x="7886689" y="2944059"/>
+            <a:ext cx="593699" cy="1534"/>
+          </a:xfrm>
+          <a:prstGeom prst="straightConnector1">
+            <a:avLst/>
+          </a:prstGeom>
+          <a:ln>
+            <a:tailEnd type="triangle"/>
+          </a:ln>
+        </p:spPr>
+        <p:style>
+          <a:lnRef idx="1">
+            <a:schemeClr val="dk1"/>
+          </a:lnRef>
+          <a:fillRef idx="0">
+            <a:schemeClr val="dk1"/>
+          </a:fillRef>
+          <a:effectRef idx="0">
+            <a:schemeClr val="dk1"/>
+          </a:effectRef>
+          <a:fontRef idx="minor">
+            <a:schemeClr val="tx1"/>
+          </a:fontRef>
+        </p:style>
+      </p:cxnSp>
+      <p:cxnSp>
+        <p:nvCxnSpPr>
+          <p:cNvPr id="84" name="직선 화살표 연결선 83">
+            <a:extLst>
+              <a:ext uri="{FF2B5EF4-FFF2-40B4-BE49-F238E27FC236}">
+                <a16:creationId xmlns:a16="http://schemas.microsoft.com/office/drawing/2014/main" id="{0E8E1A21-E6E7-8F43-E36A-9FD82F3F097F}"/>
+              </a:ext>
+            </a:extLst>
+          </p:cNvPr>
+          <p:cNvCxnSpPr>
+            <a:cxnSpLocks/>
+            <a:stCxn id="78" idx="2"/>
+            <a:endCxn id="79" idx="0"/>
+          </p:cNvCxnSpPr>
+          <p:nvPr/>
+        </p:nvCxnSpPr>
+        <p:spPr>
+          <a:xfrm>
+            <a:off x="7229049" y="2257678"/>
+            <a:ext cx="1" cy="427839"/>
+          </a:xfrm>
+          <a:prstGeom prst="straightConnector1">
+            <a:avLst/>
+          </a:prstGeom>
+          <a:ln>
+            <a:tailEnd type="triangle"/>
+          </a:ln>
+        </p:spPr>
+        <p:style>
+          <a:lnRef idx="1">
+            <a:schemeClr val="dk1"/>
+          </a:lnRef>
+          <a:fillRef idx="0">
+            <a:schemeClr val="dk1"/>
+          </a:fillRef>
+          <a:effectRef idx="0">
+            <a:schemeClr val="dk1"/>
+          </a:effectRef>
+          <a:fontRef idx="minor">
+            <a:schemeClr val="tx1"/>
+          </a:fontRef>
+        </p:style>
+      </p:cxnSp>
+      <p:cxnSp>
+        <p:nvCxnSpPr>
+          <p:cNvPr id="85" name="연결선: 꺾임 84">
+            <a:extLst>
+              <a:ext uri="{FF2B5EF4-FFF2-40B4-BE49-F238E27FC236}">
+                <a16:creationId xmlns:a16="http://schemas.microsoft.com/office/drawing/2014/main" id="{94BC8FBD-A136-83C2-89F8-258E1359BD05}"/>
+              </a:ext>
+            </a:extLst>
+          </p:cNvPr>
+          <p:cNvCxnSpPr>
+            <a:stCxn id="80" idx="0"/>
+          </p:cNvCxnSpPr>
+          <p:nvPr/>
+        </p:nvCxnSpPr>
+        <p:spPr>
+          <a:xfrm rot="16200000" flipV="1">
+            <a:off x="8064620" y="1675533"/>
+            <a:ext cx="217295" cy="1809423"/>
+          </a:xfrm>
+          <a:prstGeom prst="bentConnector2">
+            <a:avLst/>
+          </a:prstGeom>
+          <a:ln>
+            <a:tailEnd type="triangle"/>
+          </a:ln>
+        </p:spPr>
+        <p:style>
+          <a:lnRef idx="1">
+            <a:schemeClr val="dk1"/>
+          </a:lnRef>
+          <a:fillRef idx="0">
+            <a:schemeClr val="dk1"/>
+          </a:fillRef>
+          <a:effectRef idx="0">
+            <a:schemeClr val="dk1"/>
+          </a:effectRef>
+          <a:fontRef idx="minor">
+            <a:schemeClr val="tx1"/>
+          </a:fontRef>
+        </p:style>
+      </p:cxnSp>
+      <p:cxnSp>
+        <p:nvCxnSpPr>
+          <p:cNvPr id="86" name="직선 화살표 연결선 85">
+            <a:extLst>
+              <a:ext uri="{FF2B5EF4-FFF2-40B4-BE49-F238E27FC236}">
+                <a16:creationId xmlns:a16="http://schemas.microsoft.com/office/drawing/2014/main" id="{048C1667-EE85-D471-ADE3-DA308149EA6F}"/>
+              </a:ext>
+            </a:extLst>
+          </p:cNvPr>
+          <p:cNvCxnSpPr>
+            <a:cxnSpLocks/>
+            <a:stCxn id="79" idx="2"/>
+            <a:endCxn id="81" idx="0"/>
+          </p:cNvCxnSpPr>
+          <p:nvPr/>
+        </p:nvCxnSpPr>
+        <p:spPr>
+          <a:xfrm>
+            <a:off x="7229050" y="3205669"/>
+            <a:ext cx="0" cy="552233"/>
+          </a:xfrm>
+          <a:prstGeom prst="straightConnector1">
+            <a:avLst/>
+          </a:prstGeom>
+          <a:ln>
+            <a:tailEnd type="triangle"/>
+          </a:ln>
+        </p:spPr>
+        <p:style>
+          <a:lnRef idx="1">
+            <a:schemeClr val="dk1"/>
+          </a:lnRef>
+          <a:fillRef idx="0">
+            <a:schemeClr val="dk1"/>
+          </a:fillRef>
+          <a:effectRef idx="0">
+            <a:schemeClr val="dk1"/>
+          </a:effectRef>
+          <a:fontRef idx="minor">
+            <a:schemeClr val="tx1"/>
+          </a:fontRef>
+        </p:style>
+      </p:cxnSp>
+      <p:cxnSp>
+        <p:nvCxnSpPr>
+          <p:cNvPr id="88" name="연결선: 꺾임 87">
+            <a:extLst>
+              <a:ext uri="{FF2B5EF4-FFF2-40B4-BE49-F238E27FC236}">
+                <a16:creationId xmlns:a16="http://schemas.microsoft.com/office/drawing/2014/main" id="{52898B48-4C3A-8EDC-7011-7732FD050BB6}"/>
+              </a:ext>
+            </a:extLst>
+          </p:cNvPr>
+          <p:cNvCxnSpPr>
+            <a:cxnSpLocks/>
+            <a:stCxn id="81" idx="2"/>
+            <a:endCxn id="80" idx="3"/>
+          </p:cNvCxnSpPr>
+          <p:nvPr/>
+        </p:nvCxnSpPr>
+        <p:spPr>
+          <a:xfrm rot="5400000" flipH="1" flipV="1">
+            <a:off x="7785310" y="2387798"/>
+            <a:ext cx="1333995" cy="2446517"/>
+          </a:xfrm>
+          <a:prstGeom prst="bentConnector4">
+            <a:avLst>
+              <a:gd name="adj1" fmla="val -17136"/>
+              <a:gd name="adj2" fmla="val 109344"/>
+            </a:avLst>
+          </a:prstGeom>
+          <a:ln>
+            <a:tailEnd type="triangle"/>
+          </a:ln>
+        </p:spPr>
+        <p:style>
+          <a:lnRef idx="1">
+            <a:schemeClr val="dk1"/>
+          </a:lnRef>
+          <a:fillRef idx="0">
+            <a:schemeClr val="dk1"/>
+          </a:fillRef>
+          <a:effectRef idx="0">
+            <a:schemeClr val="dk1"/>
+          </a:effectRef>
+          <a:fontRef idx="minor">
+            <a:schemeClr val="tx1"/>
+          </a:fontRef>
+        </p:style>
+      </p:cxnSp>
+      <p:sp>
+        <p:nvSpPr>
+          <p:cNvPr id="89" name="직사각형 88">
+            <a:extLst>
+              <a:ext uri="{FF2B5EF4-FFF2-40B4-BE49-F238E27FC236}">
+                <a16:creationId xmlns:a16="http://schemas.microsoft.com/office/drawing/2014/main" id="{E665A4D1-0C7D-3F12-CB1B-B2704C11469B}"/>
+              </a:ext>
+            </a:extLst>
+          </p:cNvPr>
+          <p:cNvSpPr/>
+          <p:nvPr/>
+        </p:nvSpPr>
+        <p:spPr>
+          <a:xfrm>
+            <a:off x="8480388" y="3752647"/>
+            <a:ext cx="1195179" cy="510334"/>
+          </a:xfrm>
+          <a:prstGeom prst="rect">
+            <a:avLst/>
+          </a:prstGeom>
+          <a:noFill/>
+        </p:spPr>
+        <p:style>
+          <a:lnRef idx="2">
+            <a:schemeClr val="accent1">
+              <a:shade val="15000"/>
+            </a:schemeClr>
+          </a:lnRef>
+          <a:fillRef idx="1">
+            <a:schemeClr val="accent1"/>
+          </a:fillRef>
+          <a:effectRef idx="0">
+            <a:schemeClr val="accent1"/>
+          </a:effectRef>
+          <a:fontRef idx="minor">
+            <a:schemeClr val="lt1"/>
+          </a:fontRef>
+        </p:style>
+        <p:txBody>
+          <a:bodyPr rtlCol="0" anchor="ctr"/>
+          <a:lstStyle/>
+          <a:p>
+            <a:pPr algn="ctr"/>
+            <a:r>
+              <a:rPr lang="en-US" altLang="ko-KR" sz="1000" dirty="0">
+                <a:solidFill>
+                  <a:schemeClr val="tx1"/>
+                </a:solidFill>
+              </a:rPr>
+              <a:t>RGB_LED=Bright*0.25</a:t>
+            </a:r>
+          </a:p>
+        </p:txBody>
+      </p:sp>
+      <p:cxnSp>
+        <p:nvCxnSpPr>
+          <p:cNvPr id="90" name="직선 화살표 연결선 89">
+            <a:extLst>
+              <a:ext uri="{FF2B5EF4-FFF2-40B4-BE49-F238E27FC236}">
+                <a16:creationId xmlns:a16="http://schemas.microsoft.com/office/drawing/2014/main" id="{11B60B11-4E28-6487-1A24-D8EBEE465C39}"/>
+              </a:ext>
+            </a:extLst>
+          </p:cNvPr>
+          <p:cNvCxnSpPr>
+            <a:cxnSpLocks/>
+            <a:endCxn id="89" idx="1"/>
+          </p:cNvCxnSpPr>
+          <p:nvPr/>
+        </p:nvCxnSpPr>
+        <p:spPr>
+          <a:xfrm flipV="1">
+            <a:off x="7886689" y="4007814"/>
+            <a:ext cx="593699" cy="1534"/>
+          </a:xfrm>
+          <a:prstGeom prst="straightConnector1">
+            <a:avLst/>
+          </a:prstGeom>
+          <a:ln>
+            <a:tailEnd type="triangle"/>
+          </a:ln>
+        </p:spPr>
+        <p:style>
+          <a:lnRef idx="1">
+            <a:schemeClr val="dk1"/>
+          </a:lnRef>
+          <a:fillRef idx="0">
+            <a:schemeClr val="dk1"/>
+          </a:fillRef>
+          <a:effectRef idx="0">
+            <a:schemeClr val="dk1"/>
+          </a:effectRef>
+          <a:fontRef idx="minor">
+            <a:schemeClr val="tx1"/>
+          </a:fontRef>
+        </p:style>
+      </p:cxnSp>
+      <p:cxnSp>
+        <p:nvCxnSpPr>
+          <p:cNvPr id="91" name="연결선: 꺾임 90">
+            <a:extLst>
+              <a:ext uri="{FF2B5EF4-FFF2-40B4-BE49-F238E27FC236}">
+                <a16:creationId xmlns:a16="http://schemas.microsoft.com/office/drawing/2014/main" id="{6234B10E-B12F-80E2-6E3A-9A6825016DC4}"/>
+              </a:ext>
+            </a:extLst>
+          </p:cNvPr>
+          <p:cNvCxnSpPr>
+            <a:cxnSpLocks/>
+            <a:stCxn id="89" idx="0"/>
+          </p:cNvCxnSpPr>
+          <p:nvPr/>
+        </p:nvCxnSpPr>
+        <p:spPr>
+          <a:xfrm rot="16200000" flipV="1">
+            <a:off x="8064620" y="2739288"/>
+            <a:ext cx="217295" cy="1809423"/>
+          </a:xfrm>
+          <a:prstGeom prst="bentConnector2">
+            <a:avLst/>
+          </a:prstGeom>
+          <a:ln>
+            <a:tailEnd type="triangle"/>
+          </a:ln>
+        </p:spPr>
+        <p:style>
+          <a:lnRef idx="1">
+            <a:schemeClr val="dk1"/>
+          </a:lnRef>
+          <a:fillRef idx="0">
+            <a:schemeClr val="dk1"/>
+          </a:fillRef>
+          <a:effectRef idx="0">
+            <a:schemeClr val="dk1"/>
+          </a:effectRef>
+          <a:fontRef idx="minor">
+            <a:schemeClr val="tx1"/>
+          </a:fontRef>
+        </p:style>
+      </p:cxnSp>
+      <p:sp>
+        <p:nvSpPr>
+          <p:cNvPr id="97" name="TextBox 96">
+            <a:extLst>
+              <a:ext uri="{FF2B5EF4-FFF2-40B4-BE49-F238E27FC236}">
+                <a16:creationId xmlns:a16="http://schemas.microsoft.com/office/drawing/2014/main" id="{EA913220-74E9-0EAC-4E40-1A7D4022B847}"/>
+              </a:ext>
+            </a:extLst>
+          </p:cNvPr>
+          <p:cNvSpPr txBox="1"/>
+          <p:nvPr/>
+        </p:nvSpPr>
+        <p:spPr>
+          <a:xfrm>
+            <a:off x="7704224" y="4030783"/>
+            <a:ext cx="403860" cy="246221"/>
+          </a:xfrm>
+          <a:prstGeom prst="rect">
+            <a:avLst/>
+          </a:prstGeom>
+          <a:noFill/>
+        </p:spPr>
+        <p:txBody>
+          <a:bodyPr wrap="square" rtlCol="0">
+            <a:spAutoFit/>
+          </a:bodyPr>
+          <a:lstStyle/>
+          <a:p>
+            <a:r>
+              <a:rPr lang="en-US" altLang="ko-KR" sz="1000" dirty="0"/>
+              <a:t>yes</a:t>
+            </a:r>
+            <a:endParaRPr lang="ko-KR" altLang="en-US" sz="1000" dirty="0"/>
+          </a:p>
+        </p:txBody>
+      </p:sp>
+      <p:sp>
+        <p:nvSpPr>
+          <p:cNvPr id="98" name="TextBox 97">
+            <a:extLst>
+              <a:ext uri="{FF2B5EF4-FFF2-40B4-BE49-F238E27FC236}">
+                <a16:creationId xmlns:a16="http://schemas.microsoft.com/office/drawing/2014/main" id="{385DED45-2875-E4D8-769A-9465DA73211C}"/>
+              </a:ext>
+            </a:extLst>
+          </p:cNvPr>
+          <p:cNvSpPr txBox="1"/>
+          <p:nvPr/>
+        </p:nvSpPr>
+        <p:spPr>
+          <a:xfrm>
+            <a:off x="7771701" y="3022128"/>
+            <a:ext cx="403860" cy="246221"/>
+          </a:xfrm>
+          <a:prstGeom prst="rect">
+            <a:avLst/>
+          </a:prstGeom>
+          <a:noFill/>
+        </p:spPr>
+        <p:txBody>
+          <a:bodyPr wrap="square" rtlCol="0">
+            <a:spAutoFit/>
+          </a:bodyPr>
+          <a:lstStyle/>
+          <a:p>
+            <a:r>
+              <a:rPr lang="en-US" altLang="ko-KR" sz="1000" dirty="0"/>
+              <a:t>yes</a:t>
+            </a:r>
+            <a:endParaRPr lang="ko-KR" altLang="en-US" sz="1000" dirty="0"/>
+          </a:p>
+        </p:txBody>
+      </p:sp>
+      <p:sp>
+        <p:nvSpPr>
+          <p:cNvPr id="99" name="TextBox 98">
+            <a:extLst>
+              <a:ext uri="{FF2B5EF4-FFF2-40B4-BE49-F238E27FC236}">
+                <a16:creationId xmlns:a16="http://schemas.microsoft.com/office/drawing/2014/main" id="{6B1C08A5-9773-20AE-5095-92070CB4E6B7}"/>
+              </a:ext>
+            </a:extLst>
+          </p:cNvPr>
+          <p:cNvSpPr txBox="1"/>
+          <p:nvPr/>
+        </p:nvSpPr>
+        <p:spPr>
+          <a:xfrm>
+            <a:off x="6864696" y="4530039"/>
+            <a:ext cx="403860" cy="246221"/>
+          </a:xfrm>
+          <a:prstGeom prst="rect">
+            <a:avLst/>
+          </a:prstGeom>
+          <a:noFill/>
+        </p:spPr>
+        <p:txBody>
+          <a:bodyPr wrap="square" rtlCol="0">
+            <a:spAutoFit/>
+          </a:bodyPr>
+          <a:lstStyle/>
+          <a:p>
+            <a:r>
+              <a:rPr lang="en-US" altLang="ko-KR" sz="1000" dirty="0"/>
+              <a:t>no</a:t>
+            </a:r>
+          </a:p>
+        </p:txBody>
+      </p:sp>
+      <p:sp>
+        <p:nvSpPr>
+          <p:cNvPr id="100" name="TextBox 99">
+            <a:extLst>
+              <a:ext uri="{FF2B5EF4-FFF2-40B4-BE49-F238E27FC236}">
+                <a16:creationId xmlns:a16="http://schemas.microsoft.com/office/drawing/2014/main" id="{45BDCD0D-9B66-0F73-71F8-12AFE8A36F85}"/>
+              </a:ext>
+            </a:extLst>
+          </p:cNvPr>
+          <p:cNvSpPr txBox="1"/>
+          <p:nvPr/>
+        </p:nvSpPr>
+        <p:spPr>
+          <a:xfrm>
+            <a:off x="6783000" y="3199226"/>
+            <a:ext cx="403860" cy="246221"/>
+          </a:xfrm>
+          <a:prstGeom prst="rect">
+            <a:avLst/>
+          </a:prstGeom>
+          <a:noFill/>
+        </p:spPr>
+        <p:txBody>
+          <a:bodyPr wrap="square" rtlCol="0">
+            <a:spAutoFit/>
+          </a:bodyPr>
+          <a:lstStyle/>
+          <a:p>
+            <a:r>
+              <a:rPr lang="en-US" altLang="ko-KR" sz="1000" dirty="0"/>
+              <a:t>no</a:t>
+            </a:r>
+          </a:p>
+        </p:txBody>
+      </p:sp>
+    </p:spTree>
+    <p:extLst>
+      <p:ext uri="{BB962C8B-B14F-4D97-AF65-F5344CB8AC3E}">
+        <p14:creationId xmlns:p14="http://schemas.microsoft.com/office/powerpoint/2010/main" val="4140751601"/>
+      </p:ext>
+    </p:extLst>
+  </p:cSld>
+  <p:clrMapOvr>
+    <a:masterClrMapping/>
+  </p:clrMapOvr>
+</p:sld>
+</file>
+
 <file path=ppt/theme/theme1.xml><?xml version="1.0" encoding="utf-8"?>
 <a:theme xmlns:a="http://schemas.openxmlformats.org/drawingml/2006/main" name="Office 테마">
   <a:themeElements>
